--- a/Network_Programming/NetP-04-2-과제제출용.pptx
+++ b/Network_Programming/NetP-04-2-과제제출용.pptx
@@ -1162,7 +1162,7 @@
           <a:p>
             <a:fld id="{7ECEFAC6-8C3D-4BF3-9D33-5B01504927DD}" type="datetimeFigureOut">
               <a:rPr lang="ko-KR" altLang="en-US" smtClean="0"/>
-              <a:t>2022-09-21</a:t>
+              <a:t>2022-09-27</a:t>
             </a:fld>
             <a:endParaRPr lang="ko-KR" altLang="en-US"/>
           </a:p>
@@ -1673,7 +1673,7 @@
           <a:p>
             <a:fld id="{7ECEFAC6-8C3D-4BF3-9D33-5B01504927DD}" type="datetimeFigureOut">
               <a:rPr lang="ko-KR" altLang="en-US" smtClean="0"/>
-              <a:t>2022-09-21</a:t>
+              <a:t>2022-09-27</a:t>
             </a:fld>
             <a:endParaRPr lang="ko-KR" altLang="en-US"/>
           </a:p>
@@ -4530,6 +4530,36 @@
           </a:p>
         </p:txBody>
       </p:sp>
+      <p:pic>
+        <p:nvPicPr>
+          <p:cNvPr id="3" name="그림 2">
+            <a:extLst>
+              <a:ext uri="{FF2B5EF4-FFF2-40B4-BE49-F238E27FC236}">
+                <a16:creationId xmlns:a16="http://schemas.microsoft.com/office/drawing/2014/main" id="{B88E3313-8EEF-A69F-6B23-84F5F67BC42B}"/>
+              </a:ext>
+            </a:extLst>
+          </p:cNvPr>
+          <p:cNvPicPr>
+            <a:picLocks noChangeAspect="1"/>
+          </p:cNvPicPr>
+          <p:nvPr/>
+        </p:nvPicPr>
+        <p:blipFill>
+          <a:blip r:embed="rId2"/>
+          <a:stretch>
+            <a:fillRect/>
+          </a:stretch>
+        </p:blipFill>
+        <p:spPr>
+          <a:xfrm>
+            <a:off x="2225570" y="1166183"/>
+            <a:ext cx="7740860" cy="4525634"/>
+          </a:xfrm>
+          <a:prstGeom prst="rect">
+            <a:avLst/>
+          </a:prstGeom>
+        </p:spPr>
+      </p:pic>
     </p:spTree>
     <p:extLst>
       <p:ext uri="{BB962C8B-B14F-4D97-AF65-F5344CB8AC3E}">
@@ -5975,6 +6005,36 @@
           </a:p>
         </p:txBody>
       </p:sp>
+      <p:pic>
+        <p:nvPicPr>
+          <p:cNvPr id="3" name="그림 2">
+            <a:extLst>
+              <a:ext uri="{FF2B5EF4-FFF2-40B4-BE49-F238E27FC236}">
+                <a16:creationId xmlns:a16="http://schemas.microsoft.com/office/drawing/2014/main" id="{2217C85D-0A2E-CB61-C2A6-6D7F6AF4E3AE}"/>
+              </a:ext>
+            </a:extLst>
+          </p:cNvPr>
+          <p:cNvPicPr>
+            <a:picLocks noChangeAspect="1"/>
+          </p:cNvPicPr>
+          <p:nvPr/>
+        </p:nvPicPr>
+        <p:blipFill>
+          <a:blip r:embed="rId2"/>
+          <a:stretch>
+            <a:fillRect/>
+          </a:stretch>
+        </p:blipFill>
+        <p:spPr>
+          <a:xfrm>
+            <a:off x="2324100" y="1223962"/>
+            <a:ext cx="7543800" cy="4410075"/>
+          </a:xfrm>
+          <a:prstGeom prst="rect">
+            <a:avLst/>
+          </a:prstGeom>
+        </p:spPr>
+      </p:pic>
     </p:spTree>
     <p:extLst>
       <p:ext uri="{BB962C8B-B14F-4D97-AF65-F5344CB8AC3E}">
@@ -6041,6 +6101,35 @@
           </a:p>
         </p:txBody>
       </p:sp>
+      <p:pic>
+        <p:nvPicPr>
+          <p:cNvPr id="5" name="그림 4">
+            <a:extLst>
+              <a:ext uri="{FF2B5EF4-FFF2-40B4-BE49-F238E27FC236}">
+                <a16:creationId xmlns:a16="http://schemas.microsoft.com/office/drawing/2014/main" id="{E2C9F738-A6DD-214A-52D9-99F97ECE8483}"/>
+              </a:ext>
+            </a:extLst>
+          </p:cNvPr>
+          <p:cNvPicPr>
+            <a:picLocks noChangeAspect="1"/>
+          </p:cNvPicPr>
+          <p:nvPr/>
+        </p:nvPicPr>
+        <p:blipFill rotWithShape="1">
+          <a:blip r:embed="rId2"/>
+          <a:srcRect l="5181" t="4853"/>
+          <a:stretch/>
+        </p:blipFill>
+        <p:spPr>
+          <a:xfrm>
+            <a:off x="1199398" y="1223755"/>
+            <a:ext cx="9793204" cy="4795103"/>
+          </a:xfrm>
+          <a:prstGeom prst="rect">
+            <a:avLst/>
+          </a:prstGeom>
+        </p:spPr>
+      </p:pic>
     </p:spTree>
     <p:extLst>
       <p:ext uri="{BB962C8B-B14F-4D97-AF65-F5344CB8AC3E}">
@@ -6657,6 +6746,36 @@
           </a:p>
         </p:txBody>
       </p:sp>
+      <p:pic>
+        <p:nvPicPr>
+          <p:cNvPr id="3" name="그림 2">
+            <a:extLst>
+              <a:ext uri="{FF2B5EF4-FFF2-40B4-BE49-F238E27FC236}">
+                <a16:creationId xmlns:a16="http://schemas.microsoft.com/office/drawing/2014/main" id="{C07DB90A-D21A-9B16-84F9-40E6CF4D71A5}"/>
+              </a:ext>
+            </a:extLst>
+          </p:cNvPr>
+          <p:cNvPicPr>
+            <a:picLocks noChangeAspect="1"/>
+          </p:cNvPicPr>
+          <p:nvPr/>
+        </p:nvPicPr>
+        <p:blipFill>
+          <a:blip r:embed="rId2"/>
+          <a:stretch>
+            <a:fillRect/>
+          </a:stretch>
+        </p:blipFill>
+        <p:spPr>
+          <a:xfrm>
+            <a:off x="3681412" y="1966912"/>
+            <a:ext cx="4829175" cy="2924175"/>
+          </a:xfrm>
+          <a:prstGeom prst="rect">
+            <a:avLst/>
+          </a:prstGeom>
+        </p:spPr>
+      </p:pic>
     </p:spTree>
     <p:extLst>
       <p:ext uri="{BB962C8B-B14F-4D97-AF65-F5344CB8AC3E}">
@@ -6727,6 +6846,36 @@
           </a:p>
         </p:txBody>
       </p:sp>
+      <p:pic>
+        <p:nvPicPr>
+          <p:cNvPr id="5" name="그림 4">
+            <a:extLst>
+              <a:ext uri="{FF2B5EF4-FFF2-40B4-BE49-F238E27FC236}">
+                <a16:creationId xmlns:a16="http://schemas.microsoft.com/office/drawing/2014/main" id="{0AE8016A-DED3-AB87-9857-F321636DD5AD}"/>
+              </a:ext>
+            </a:extLst>
+          </p:cNvPr>
+          <p:cNvPicPr>
+            <a:picLocks noChangeAspect="1"/>
+          </p:cNvPicPr>
+          <p:nvPr/>
+        </p:nvPicPr>
+        <p:blipFill>
+          <a:blip r:embed="rId2"/>
+          <a:stretch>
+            <a:fillRect/>
+          </a:stretch>
+        </p:blipFill>
+        <p:spPr>
+          <a:xfrm>
+            <a:off x="3405187" y="1695450"/>
+            <a:ext cx="5381625" cy="3467100"/>
+          </a:xfrm>
+          <a:prstGeom prst="rect">
+            <a:avLst/>
+          </a:prstGeom>
+        </p:spPr>
+      </p:pic>
     </p:spTree>
     <p:extLst>
       <p:ext uri="{BB962C8B-B14F-4D97-AF65-F5344CB8AC3E}">
@@ -6797,6 +6946,36 @@
           </a:p>
         </p:txBody>
       </p:sp>
+      <p:pic>
+        <p:nvPicPr>
+          <p:cNvPr id="3" name="그림 2">
+            <a:extLst>
+              <a:ext uri="{FF2B5EF4-FFF2-40B4-BE49-F238E27FC236}">
+                <a16:creationId xmlns:a16="http://schemas.microsoft.com/office/drawing/2014/main" id="{45C6F888-CE61-6755-B9B8-138F9BDCDFC9}"/>
+              </a:ext>
+            </a:extLst>
+          </p:cNvPr>
+          <p:cNvPicPr>
+            <a:picLocks noChangeAspect="1"/>
+          </p:cNvPicPr>
+          <p:nvPr/>
+        </p:nvPicPr>
+        <p:blipFill>
+          <a:blip r:embed="rId2"/>
+          <a:stretch>
+            <a:fillRect/>
+          </a:stretch>
+        </p:blipFill>
+        <p:spPr>
+          <a:xfrm>
+            <a:off x="3033712" y="1824037"/>
+            <a:ext cx="6124575" cy="3209925"/>
+          </a:xfrm>
+          <a:prstGeom prst="rect">
+            <a:avLst/>
+          </a:prstGeom>
+        </p:spPr>
+      </p:pic>
     </p:spTree>
     <p:extLst>
       <p:ext uri="{BB962C8B-B14F-4D97-AF65-F5344CB8AC3E}">
@@ -6875,6 +7054,36 @@
           </a:p>
         </p:txBody>
       </p:sp>
+      <p:pic>
+        <p:nvPicPr>
+          <p:cNvPr id="3" name="그림 2">
+            <a:extLst>
+              <a:ext uri="{FF2B5EF4-FFF2-40B4-BE49-F238E27FC236}">
+                <a16:creationId xmlns:a16="http://schemas.microsoft.com/office/drawing/2014/main" id="{AE683B1E-642C-9A6E-45E5-402F5A65BB18}"/>
+              </a:ext>
+            </a:extLst>
+          </p:cNvPr>
+          <p:cNvPicPr>
+            <a:picLocks noChangeAspect="1"/>
+          </p:cNvPicPr>
+          <p:nvPr/>
+        </p:nvPicPr>
+        <p:blipFill>
+          <a:blip r:embed="rId2"/>
+          <a:stretch>
+            <a:fillRect/>
+          </a:stretch>
+        </p:blipFill>
+        <p:spPr>
+          <a:xfrm>
+            <a:off x="2895600" y="1790700"/>
+            <a:ext cx="6400800" cy="3276600"/>
+          </a:xfrm>
+          <a:prstGeom prst="rect">
+            <a:avLst/>
+          </a:prstGeom>
+        </p:spPr>
+      </p:pic>
     </p:spTree>
     <p:extLst>
       <p:ext uri="{BB962C8B-B14F-4D97-AF65-F5344CB8AC3E}">
@@ -6923,19 +7132,13 @@
           <a:lstStyle/>
           <a:p>
             <a:r>
-              <a:rPr lang="en-US" altLang="ko-KR">
-                <a:sym typeface="Wingdings" panose="05000000000000000000" pitchFamily="2" charset="2"/>
-              </a:rPr>
-              <a:t>Linux Server / Windows </a:t>
-            </a:r>
-            <a:r>
               <a:rPr lang="en-US" altLang="ko-KR" dirty="0">
                 <a:sym typeface="Wingdings" panose="05000000000000000000" pitchFamily="2" charset="2"/>
               </a:rPr>
-              <a:t>Client </a:t>
-            </a:r>
-            <a:r>
-              <a:rPr lang="ko-KR" altLang="en-US">
+              <a:t>Linux Server / Windows Client </a:t>
+            </a:r>
+            <a:r>
+              <a:rPr lang="ko-KR" altLang="en-US" dirty="0">
                 <a:sym typeface="Wingdings" panose="05000000000000000000" pitchFamily="2" charset="2"/>
               </a:rPr>
               <a:t>로 구현</a:t>
@@ -6946,201 +7149,75 @@
           </a:p>
           <a:p>
             <a:r>
-              <a:rPr lang="ko-KR" altLang="en-US">
-                <a:sym typeface="Wingdings" panose="05000000000000000000" pitchFamily="2" charset="2"/>
-              </a:rPr>
-              <a:t>송</a:t>
-            </a:r>
-            <a:r>
-              <a:rPr lang="en-US" altLang="ko-KR">
-                <a:sym typeface="Wingdings" panose="05000000000000000000" pitchFamily="2" charset="2"/>
-              </a:rPr>
-              <a:t>/</a:t>
-            </a:r>
-            <a:r>
-              <a:rPr lang="ko-KR" altLang="en-US">
-                <a:sym typeface="Wingdings" panose="05000000000000000000" pitchFamily="2" charset="2"/>
-              </a:rPr>
-              <a:t>수신 </a:t>
-            </a:r>
-            <a:r>
-              <a:rPr lang="en-US" altLang="ko-KR">
-                <a:sym typeface="Wingdings" panose="05000000000000000000" pitchFamily="2" charset="2"/>
-              </a:rPr>
-              <a:t>data</a:t>
-            </a:r>
-            <a:r>
-              <a:rPr lang="ko-KR" altLang="en-US">
-                <a:sym typeface="Wingdings" panose="05000000000000000000" pitchFamily="2" charset="2"/>
-              </a:rPr>
-              <a:t>를 </a:t>
-            </a:r>
-            <a:r>
-              <a:rPr lang="en-US" altLang="ko-KR">
-                <a:sym typeface="Wingdings" panose="05000000000000000000" pitchFamily="2" charset="2"/>
-              </a:rPr>
-              <a:t>128 byte</a:t>
-            </a:r>
-            <a:r>
-              <a:rPr lang="ko-KR" altLang="en-US">
-                <a:sym typeface="Wingdings" panose="05000000000000000000" pitchFamily="2" charset="2"/>
-              </a:rPr>
-              <a:t>로 고정시켜서 전송하기</a:t>
-            </a:r>
-            <a:endParaRPr lang="en-US" altLang="ko-KR">
-              <a:sym typeface="Wingdings" panose="05000000000000000000" pitchFamily="2" charset="2"/>
-            </a:endParaRPr>
-          </a:p>
-          <a:p>
-            <a:r>
-              <a:rPr lang="en-US" altLang="ko-KR">
-                <a:sym typeface="Wingdings" panose="05000000000000000000" pitchFamily="2" charset="2"/>
-              </a:rPr>
-              <a:t>Client </a:t>
-            </a:r>
-            <a:r>
               <a:rPr lang="ko-KR" altLang="en-US" dirty="0">
                 <a:sym typeface="Wingdings" panose="05000000000000000000" pitchFamily="2" charset="2"/>
               </a:rPr>
-              <a:t>메뉴와 </a:t>
+              <a:t>송</a:t>
             </a:r>
             <a:r>
               <a:rPr lang="en-US" altLang="ko-KR" dirty="0">
                 <a:sym typeface="Wingdings" panose="05000000000000000000" pitchFamily="2" charset="2"/>
               </a:rPr>
-              <a:t>Application Protocol </a:t>
+              <a:t>/</a:t>
             </a:r>
             <a:r>
               <a:rPr lang="ko-KR" altLang="en-US" dirty="0">
                 <a:sym typeface="Wingdings" panose="05000000000000000000" pitchFamily="2" charset="2"/>
               </a:rPr>
-              <a:t>만들기</a:t>
+              <a:t>수신 </a:t>
+            </a:r>
+            <a:r>
+              <a:rPr lang="en-US" altLang="ko-KR" dirty="0">
+                <a:sym typeface="Wingdings" panose="05000000000000000000" pitchFamily="2" charset="2"/>
+              </a:rPr>
+              <a:t>data</a:t>
+            </a:r>
+            <a:r>
+              <a:rPr lang="ko-KR" altLang="en-US" dirty="0">
+                <a:sym typeface="Wingdings" panose="05000000000000000000" pitchFamily="2" charset="2"/>
+              </a:rPr>
+              <a:t>를 </a:t>
+            </a:r>
+            <a:r>
+              <a:rPr lang="en-US" altLang="ko-KR" dirty="0">
+                <a:sym typeface="Wingdings" panose="05000000000000000000" pitchFamily="2" charset="2"/>
+              </a:rPr>
+              <a:t>128 byte</a:t>
+            </a:r>
+            <a:r>
+              <a:rPr lang="ko-KR" altLang="en-US" dirty="0">
+                <a:sym typeface="Wingdings" panose="05000000000000000000" pitchFamily="2" charset="2"/>
+              </a:rPr>
+              <a:t>로 고정시켜서 전송하기</a:t>
             </a:r>
             <a:endParaRPr lang="en-US" altLang="ko-KR" dirty="0">
               <a:sym typeface="Wingdings" panose="05000000000000000000" pitchFamily="2" charset="2"/>
             </a:endParaRPr>
           </a:p>
           <a:p>
-            <a:pPr lvl="1"/>
             <a:r>
               <a:rPr lang="en-US" altLang="ko-KR" dirty="0">
                 <a:sym typeface="Wingdings" panose="05000000000000000000" pitchFamily="2" charset="2"/>
               </a:rPr>
-              <a:t>1 </a:t>
+              <a:t>Client </a:t>
             </a:r>
             <a:r>
               <a:rPr lang="ko-KR" altLang="en-US" dirty="0">
                 <a:sym typeface="Wingdings" panose="05000000000000000000" pitchFamily="2" charset="2"/>
               </a:rPr>
-              <a:t>소문자</a:t>
+              <a:t>메뉴와 </a:t>
             </a:r>
             <a:r>
               <a:rPr lang="en-US" altLang="ko-KR" dirty="0">
                 <a:sym typeface="Wingdings" panose="05000000000000000000" pitchFamily="2" charset="2"/>
               </a:rPr>
-              <a:t>-&gt;</a:t>
+              <a:t>Application Protocol </a:t>
             </a:r>
             <a:r>
               <a:rPr lang="ko-KR" altLang="en-US" dirty="0">
                 <a:sym typeface="Wingdings" panose="05000000000000000000" pitchFamily="2" charset="2"/>
               </a:rPr>
-              <a:t>대문자</a:t>
-            </a:r>
-            <a:r>
-              <a:rPr lang="en-US" altLang="ko-KR" dirty="0">
-                <a:sym typeface="Wingdings" panose="05000000000000000000" pitchFamily="2" charset="2"/>
-              </a:rPr>
-              <a:t>, 2 </a:t>
-            </a:r>
-            <a:r>
-              <a:rPr lang="ko-KR" altLang="en-US" dirty="0">
-                <a:sym typeface="Wingdings" panose="05000000000000000000" pitchFamily="2" charset="2"/>
-              </a:rPr>
-              <a:t>대문자</a:t>
-            </a:r>
-            <a:r>
-              <a:rPr lang="en-US" altLang="ko-KR" dirty="0">
-                <a:sym typeface="Wingdings" panose="05000000000000000000" pitchFamily="2" charset="2"/>
-              </a:rPr>
-              <a:t>-&gt;</a:t>
-            </a:r>
-            <a:r>
-              <a:rPr lang="ko-KR" altLang="en-US" dirty="0">
-                <a:sym typeface="Wingdings" panose="05000000000000000000" pitchFamily="2" charset="2"/>
-              </a:rPr>
-              <a:t>소문자</a:t>
-            </a:r>
-            <a:r>
-              <a:rPr lang="en-US" altLang="ko-KR" dirty="0">
-                <a:sym typeface="Wingdings" panose="05000000000000000000" pitchFamily="2" charset="2"/>
-              </a:rPr>
-              <a:t>, 3 </a:t>
-            </a:r>
-            <a:r>
-              <a:rPr lang="ko-KR" altLang="en-US" dirty="0">
-                <a:sym typeface="Wingdings" panose="05000000000000000000" pitchFamily="2" charset="2"/>
-              </a:rPr>
-              <a:t>대</a:t>
-            </a:r>
-            <a:r>
-              <a:rPr lang="en-US" altLang="ko-KR" dirty="0">
-                <a:sym typeface="Wingdings" panose="05000000000000000000" pitchFamily="2" charset="2"/>
-              </a:rPr>
-              <a:t>(</a:t>
-            </a:r>
-            <a:r>
-              <a:rPr lang="ko-KR" altLang="en-US" dirty="0">
-                <a:sym typeface="Wingdings" panose="05000000000000000000" pitchFamily="2" charset="2"/>
-              </a:rPr>
-              <a:t>소</a:t>
-            </a:r>
-            <a:r>
-              <a:rPr lang="en-US" altLang="ko-KR" dirty="0">
-                <a:sym typeface="Wingdings" panose="05000000000000000000" pitchFamily="2" charset="2"/>
-              </a:rPr>
-              <a:t>)</a:t>
-            </a:r>
-            <a:r>
-              <a:rPr lang="ko-KR" altLang="en-US" dirty="0">
-                <a:sym typeface="Wingdings" panose="05000000000000000000" pitchFamily="2" charset="2"/>
-              </a:rPr>
-              <a:t>문자 </a:t>
-            </a:r>
-            <a:r>
-              <a:rPr lang="en-US" altLang="ko-KR" dirty="0">
-                <a:sym typeface="Wingdings" panose="05000000000000000000" pitchFamily="2" charset="2"/>
-              </a:rPr>
-              <a:t> </a:t>
-            </a:r>
-            <a:r>
-              <a:rPr lang="ko-KR" altLang="en-US" dirty="0">
-                <a:sym typeface="Wingdings" panose="05000000000000000000" pitchFamily="2" charset="2"/>
-              </a:rPr>
-              <a:t>소</a:t>
-            </a:r>
-            <a:r>
-              <a:rPr lang="en-US" altLang="ko-KR" dirty="0">
-                <a:sym typeface="Wingdings" panose="05000000000000000000" pitchFamily="2" charset="2"/>
-              </a:rPr>
-              <a:t>(</a:t>
-            </a:r>
-            <a:r>
-              <a:rPr lang="ko-KR" altLang="en-US" dirty="0">
-                <a:sym typeface="Wingdings" panose="05000000000000000000" pitchFamily="2" charset="2"/>
-              </a:rPr>
-              <a:t>대</a:t>
-            </a:r>
-            <a:r>
-              <a:rPr lang="en-US" altLang="ko-KR" dirty="0">
-                <a:sym typeface="Wingdings" panose="05000000000000000000" pitchFamily="2" charset="2"/>
-              </a:rPr>
-              <a:t>)</a:t>
-            </a:r>
-            <a:r>
-              <a:rPr lang="ko-KR" altLang="en-US" dirty="0">
-                <a:sym typeface="Wingdings" panose="05000000000000000000" pitchFamily="2" charset="2"/>
-              </a:rPr>
-              <a:t>문자</a:t>
+              <a:t>만들기</a:t>
             </a:r>
             <a:endParaRPr lang="en-US" altLang="ko-KR" dirty="0">
               <a:sym typeface="Wingdings" panose="05000000000000000000" pitchFamily="2" charset="2"/>
@@ -7149,109 +7226,124 @@
           <a:p>
             <a:pPr lvl="1"/>
             <a:r>
-              <a:rPr lang="ko-KR" altLang="en-US">
-                <a:sym typeface="Wingdings" panose="05000000000000000000" pitchFamily="2" charset="2"/>
-              </a:rPr>
-              <a:t>송신</a:t>
-            </a:r>
-            <a:r>
-              <a:rPr lang="en-US" altLang="ko-KR">
-                <a:sym typeface="Wingdings" panose="05000000000000000000" pitchFamily="2" charset="2"/>
-              </a:rPr>
-              <a:t>: </a:t>
-            </a:r>
-            <a:r>
               <a:rPr lang="en-US" altLang="ko-KR" dirty="0">
                 <a:sym typeface="Wingdings" panose="05000000000000000000" pitchFamily="2" charset="2"/>
               </a:rPr>
               <a:t>1 </a:t>
             </a:r>
             <a:r>
-              <a:rPr lang="en-US" altLang="ko-KR" dirty="0" err="1">
+              <a:rPr lang="ko-KR" altLang="en-US" dirty="0">
                 <a:sym typeface="Wingdings" panose="05000000000000000000" pitchFamily="2" charset="2"/>
               </a:rPr>
-              <a:t>abcd</a:t>
+              <a:t>소문자</a:t>
             </a:r>
             <a:r>
               <a:rPr lang="en-US" altLang="ko-KR" dirty="0">
                 <a:sym typeface="Wingdings" panose="05000000000000000000" pitchFamily="2" charset="2"/>
               </a:rPr>
-              <a:t> EFG  </a:t>
+              <a:t>-&gt;</a:t>
             </a:r>
             <a:r>
               <a:rPr lang="ko-KR" altLang="en-US" dirty="0">
                 <a:sym typeface="Wingdings" panose="05000000000000000000" pitchFamily="2" charset="2"/>
               </a:rPr>
-              <a:t>수신</a:t>
+              <a:t>대문자</a:t>
             </a:r>
             <a:r>
               <a:rPr lang="en-US" altLang="ko-KR" dirty="0">
                 <a:sym typeface="Wingdings" panose="05000000000000000000" pitchFamily="2" charset="2"/>
               </a:rPr>
-              <a:t>: ABCD EFG</a:t>
-            </a:r>
-          </a:p>
-          <a:p>
-            <a:pPr lvl="1"/>
-            <a:r>
-              <a:rPr lang="ko-KR" altLang="en-US">
+              <a:t>, 2 </a:t>
+            </a:r>
+            <a:r>
+              <a:rPr lang="ko-KR" altLang="en-US" dirty="0">
                 <a:sym typeface="Wingdings" panose="05000000000000000000" pitchFamily="2" charset="2"/>
               </a:rPr>
-              <a:t>송신</a:t>
-            </a:r>
-            <a:r>
-              <a:rPr lang="en-US" altLang="ko-KR">
-                <a:sym typeface="Wingdings" panose="05000000000000000000" pitchFamily="2" charset="2"/>
-              </a:rPr>
-              <a:t>: </a:t>
+              <a:t>대문자</a:t>
             </a:r>
             <a:r>
               <a:rPr lang="en-US" altLang="ko-KR" dirty="0">
                 <a:sym typeface="Wingdings" panose="05000000000000000000" pitchFamily="2" charset="2"/>
               </a:rPr>
-              <a:t>2 ABCD </a:t>
-            </a:r>
-            <a:r>
-              <a:rPr lang="en-US" altLang="ko-KR" dirty="0" err="1">
+              <a:t>-&gt;</a:t>
+            </a:r>
+            <a:r>
+              <a:rPr lang="ko-KR" altLang="en-US" dirty="0">
                 <a:sym typeface="Wingdings" panose="05000000000000000000" pitchFamily="2" charset="2"/>
               </a:rPr>
-              <a:t>efg</a:t>
+              <a:t>소문자</a:t>
             </a:r>
             <a:r>
               <a:rPr lang="en-US" altLang="ko-KR" dirty="0">
                 <a:sym typeface="Wingdings" panose="05000000000000000000" pitchFamily="2" charset="2"/>
               </a:rPr>
-              <a:t>  </a:t>
+              <a:t>, 3 </a:t>
             </a:r>
             <a:r>
               <a:rPr lang="ko-KR" altLang="en-US" dirty="0">
                 <a:sym typeface="Wingdings" panose="05000000000000000000" pitchFamily="2" charset="2"/>
               </a:rPr>
-              <a:t>수신</a:t>
+              <a:t>대</a:t>
             </a:r>
             <a:r>
               <a:rPr lang="en-US" altLang="ko-KR" dirty="0">
                 <a:sym typeface="Wingdings" panose="05000000000000000000" pitchFamily="2" charset="2"/>
               </a:rPr>
-              <a:t>: </a:t>
-            </a:r>
-            <a:r>
-              <a:rPr lang="en-US" altLang="ko-KR" dirty="0" err="1">
+              <a:t>(</a:t>
+            </a:r>
+            <a:r>
+              <a:rPr lang="ko-KR" altLang="en-US" dirty="0">
                 <a:sym typeface="Wingdings" panose="05000000000000000000" pitchFamily="2" charset="2"/>
               </a:rPr>
-              <a:t>abcd</a:t>
+              <a:t>소</a:t>
             </a:r>
             <a:r>
               <a:rPr lang="en-US" altLang="ko-KR" dirty="0">
                 <a:sym typeface="Wingdings" panose="05000000000000000000" pitchFamily="2" charset="2"/>
               </a:rPr>
-              <a:t> </a:t>
-            </a:r>
-            <a:r>
-              <a:rPr lang="en-US" altLang="ko-KR" dirty="0" err="1">
+              <a:t>)</a:t>
+            </a:r>
+            <a:r>
+              <a:rPr lang="ko-KR" altLang="en-US" dirty="0">
                 <a:sym typeface="Wingdings" panose="05000000000000000000" pitchFamily="2" charset="2"/>
               </a:rPr>
-              <a:t>efg</a:t>
+              <a:t>문자 </a:t>
+            </a:r>
+            <a:r>
+              <a:rPr lang="en-US" altLang="ko-KR" dirty="0">
+                <a:sym typeface="Wingdings" panose="05000000000000000000" pitchFamily="2" charset="2"/>
+              </a:rPr>
+              <a:t> </a:t>
+            </a:r>
+            <a:r>
+              <a:rPr lang="ko-KR" altLang="en-US" dirty="0">
+                <a:sym typeface="Wingdings" panose="05000000000000000000" pitchFamily="2" charset="2"/>
+              </a:rPr>
+              <a:t>소</a:t>
+            </a:r>
+            <a:r>
+              <a:rPr lang="en-US" altLang="ko-KR" dirty="0">
+                <a:sym typeface="Wingdings" panose="05000000000000000000" pitchFamily="2" charset="2"/>
+              </a:rPr>
+              <a:t>(</a:t>
+            </a:r>
+            <a:r>
+              <a:rPr lang="ko-KR" altLang="en-US" dirty="0">
+                <a:sym typeface="Wingdings" panose="05000000000000000000" pitchFamily="2" charset="2"/>
+              </a:rPr>
+              <a:t>대</a:t>
+            </a:r>
+            <a:r>
+              <a:rPr lang="en-US" altLang="ko-KR" dirty="0">
+                <a:sym typeface="Wingdings" panose="05000000000000000000" pitchFamily="2" charset="2"/>
+              </a:rPr>
+              <a:t>)</a:t>
+            </a:r>
+            <a:r>
+              <a:rPr lang="ko-KR" altLang="en-US" dirty="0">
+                <a:sym typeface="Wingdings" panose="05000000000000000000" pitchFamily="2" charset="2"/>
+              </a:rPr>
+              <a:t>문자</a:t>
             </a:r>
             <a:endParaRPr lang="en-US" altLang="ko-KR" dirty="0">
               <a:sym typeface="Wingdings" panose="05000000000000000000" pitchFamily="2" charset="2"/>
@@ -7260,22 +7352,16 @@
           <a:p>
             <a:pPr lvl="1"/>
             <a:r>
-              <a:rPr lang="ko-KR" altLang="en-US">
+              <a:rPr lang="ko-KR" altLang="en-US" dirty="0">
                 <a:sym typeface="Wingdings" panose="05000000000000000000" pitchFamily="2" charset="2"/>
               </a:rPr>
               <a:t>송신</a:t>
-            </a:r>
-            <a:r>
-              <a:rPr lang="en-US" altLang="ko-KR">
-                <a:sym typeface="Wingdings" panose="05000000000000000000" pitchFamily="2" charset="2"/>
-              </a:rPr>
-              <a:t>: </a:t>
             </a:r>
             <a:r>
               <a:rPr lang="en-US" altLang="ko-KR" dirty="0">
                 <a:sym typeface="Wingdings" panose="05000000000000000000" pitchFamily="2" charset="2"/>
               </a:rPr>
-              <a:t>3 </a:t>
+              <a:t>: 1 </a:t>
             </a:r>
             <a:r>
               <a:rPr lang="en-US" altLang="ko-KR" dirty="0" err="1">
@@ -7299,43 +7385,145 @@
               <a:rPr lang="en-US" altLang="ko-KR" dirty="0">
                 <a:sym typeface="Wingdings" panose="05000000000000000000" pitchFamily="2" charset="2"/>
               </a:rPr>
+              <a:t>: ABCD EFG</a:t>
+            </a:r>
+          </a:p>
+          <a:p>
+            <a:pPr lvl="1"/>
+            <a:r>
+              <a:rPr lang="ko-KR" altLang="en-US" dirty="0">
+                <a:sym typeface="Wingdings" panose="05000000000000000000" pitchFamily="2" charset="2"/>
+              </a:rPr>
+              <a:t>송신</a:t>
+            </a:r>
+            <a:r>
+              <a:rPr lang="en-US" altLang="ko-KR" dirty="0">
+                <a:sym typeface="Wingdings" panose="05000000000000000000" pitchFamily="2" charset="2"/>
+              </a:rPr>
+              <a:t>: 2 ABCD </a:t>
+            </a:r>
+            <a:r>
+              <a:rPr lang="en-US" altLang="ko-KR" dirty="0" err="1">
+                <a:sym typeface="Wingdings" panose="05000000000000000000" pitchFamily="2" charset="2"/>
+              </a:rPr>
+              <a:t>efg</a:t>
+            </a:r>
+            <a:r>
+              <a:rPr lang="en-US" altLang="ko-KR" dirty="0">
+                <a:sym typeface="Wingdings" panose="05000000000000000000" pitchFamily="2" charset="2"/>
+              </a:rPr>
+              <a:t>  </a:t>
+            </a:r>
+            <a:r>
+              <a:rPr lang="ko-KR" altLang="en-US" dirty="0">
+                <a:sym typeface="Wingdings" panose="05000000000000000000" pitchFamily="2" charset="2"/>
+              </a:rPr>
+              <a:t>수신</a:t>
+            </a:r>
+            <a:r>
+              <a:rPr lang="en-US" altLang="ko-KR" dirty="0">
+                <a:sym typeface="Wingdings" panose="05000000000000000000" pitchFamily="2" charset="2"/>
+              </a:rPr>
               <a:t>: </a:t>
             </a:r>
             <a:r>
-              <a:rPr lang="en-US" altLang="ko-KR">
+              <a:rPr lang="en-US" altLang="ko-KR" dirty="0" err="1">
                 <a:sym typeface="Wingdings" panose="05000000000000000000" pitchFamily="2" charset="2"/>
               </a:rPr>
-              <a:t>ABCD efg</a:t>
-            </a:r>
+              <a:t>abcd</a:t>
+            </a:r>
+            <a:r>
+              <a:rPr lang="en-US" altLang="ko-KR" dirty="0">
+                <a:sym typeface="Wingdings" panose="05000000000000000000" pitchFamily="2" charset="2"/>
+              </a:rPr>
+              <a:t> </a:t>
+            </a:r>
+            <a:r>
+              <a:rPr lang="en-US" altLang="ko-KR" dirty="0" err="1">
+                <a:sym typeface="Wingdings" panose="05000000000000000000" pitchFamily="2" charset="2"/>
+              </a:rPr>
+              <a:t>efg</a:t>
+            </a:r>
+            <a:endParaRPr lang="en-US" altLang="ko-KR" dirty="0">
+              <a:sym typeface="Wingdings" panose="05000000000000000000" pitchFamily="2" charset="2"/>
+            </a:endParaRPr>
           </a:p>
           <a:p>
             <a:pPr lvl="1"/>
             <a:r>
-              <a:rPr lang="ko-KR" altLang="en-US">
+              <a:rPr lang="ko-KR" altLang="en-US" dirty="0">
                 <a:sym typeface="Wingdings" panose="05000000000000000000" pitchFamily="2" charset="2"/>
               </a:rPr>
               <a:t>송신</a:t>
             </a:r>
             <a:r>
-              <a:rPr lang="en-US" altLang="ko-KR">
+              <a:rPr lang="en-US" altLang="ko-KR" dirty="0">
                 <a:sym typeface="Wingdings" panose="05000000000000000000" pitchFamily="2" charset="2"/>
               </a:rPr>
+              <a:t>: 3 </a:t>
+            </a:r>
+            <a:r>
+              <a:rPr lang="en-US" altLang="ko-KR" dirty="0" err="1">
+                <a:sym typeface="Wingdings" panose="05000000000000000000" pitchFamily="2" charset="2"/>
+              </a:rPr>
+              <a:t>abcd</a:t>
+            </a:r>
+            <a:r>
+              <a:rPr lang="en-US" altLang="ko-KR" dirty="0">
+                <a:sym typeface="Wingdings" panose="05000000000000000000" pitchFamily="2" charset="2"/>
+              </a:rPr>
+              <a:t> EFG  </a:t>
+            </a:r>
+            <a:r>
+              <a:rPr lang="ko-KR" altLang="en-US" dirty="0">
+                <a:sym typeface="Wingdings" panose="05000000000000000000" pitchFamily="2" charset="2"/>
+              </a:rPr>
+              <a:t>수신</a:t>
+            </a:r>
+            <a:r>
+              <a:rPr lang="en-US" altLang="ko-KR" dirty="0">
+                <a:sym typeface="Wingdings" panose="05000000000000000000" pitchFamily="2" charset="2"/>
+              </a:rPr>
+              <a:t>: ABCD </a:t>
+            </a:r>
+            <a:r>
+              <a:rPr lang="en-US" altLang="ko-KR" dirty="0" err="1">
+                <a:sym typeface="Wingdings" panose="05000000000000000000" pitchFamily="2" charset="2"/>
+              </a:rPr>
+              <a:t>efg</a:t>
+            </a:r>
+            <a:endParaRPr lang="en-US" altLang="ko-KR" dirty="0">
+              <a:sym typeface="Wingdings" panose="05000000000000000000" pitchFamily="2" charset="2"/>
+            </a:endParaRPr>
+          </a:p>
+          <a:p>
+            <a:pPr lvl="1"/>
+            <a:r>
+              <a:rPr lang="ko-KR" altLang="en-US" dirty="0">
+                <a:sym typeface="Wingdings" panose="05000000000000000000" pitchFamily="2" charset="2"/>
+              </a:rPr>
+              <a:t>송신</a:t>
+            </a:r>
+            <a:r>
+              <a:rPr lang="en-US" altLang="ko-KR" dirty="0">
+                <a:sym typeface="Wingdings" panose="05000000000000000000" pitchFamily="2" charset="2"/>
+              </a:rPr>
               <a:t>: 4  </a:t>
             </a:r>
             <a:r>
-              <a:rPr lang="ko-KR" altLang="en-US">
+              <a:rPr lang="ko-KR" altLang="en-US" dirty="0">
                 <a:sym typeface="Wingdings" panose="05000000000000000000" pitchFamily="2" charset="2"/>
               </a:rPr>
               <a:t>수신 </a:t>
             </a:r>
             <a:r>
-              <a:rPr lang="en-US" altLang="ko-KR">
+              <a:rPr lang="en-US" altLang="ko-KR" dirty="0">
                 <a:sym typeface="Wingdings" panose="05000000000000000000" pitchFamily="2" charset="2"/>
               </a:rPr>
               <a:t>session </a:t>
             </a:r>
             <a:r>
-              <a:rPr lang="ko-KR" altLang="en-US">
+              <a:rPr lang="ko-KR" altLang="en-US" dirty="0">
                 <a:sym typeface="Wingdings" panose="05000000000000000000" pitchFamily="2" charset="2"/>
               </a:rPr>
               <a:t>종료</a:t>
@@ -8241,6 +8429,36 @@
           </a:p>
         </p:txBody>
       </p:sp>
+      <p:pic>
+        <p:nvPicPr>
+          <p:cNvPr id="4" name="그림 3">
+            <a:extLst>
+              <a:ext uri="{FF2B5EF4-FFF2-40B4-BE49-F238E27FC236}">
+                <a16:creationId xmlns:a16="http://schemas.microsoft.com/office/drawing/2014/main" id="{F51BD771-C916-8F24-2F86-58661E2895F5}"/>
+              </a:ext>
+            </a:extLst>
+          </p:cNvPr>
+          <p:cNvPicPr>
+            <a:picLocks noChangeAspect="1"/>
+          </p:cNvPicPr>
+          <p:nvPr/>
+        </p:nvPicPr>
+        <p:blipFill>
+          <a:blip r:embed="rId2"/>
+          <a:stretch>
+            <a:fillRect/>
+          </a:stretch>
+        </p:blipFill>
+        <p:spPr>
+          <a:xfrm>
+            <a:off x="3125669" y="1293839"/>
+            <a:ext cx="6713655" cy="4825973"/>
+          </a:xfrm>
+          <a:prstGeom prst="rect">
+            <a:avLst/>
+          </a:prstGeom>
+        </p:spPr>
+      </p:pic>
     </p:spTree>
     <p:extLst>
       <p:ext uri="{BB962C8B-B14F-4D97-AF65-F5344CB8AC3E}">
